--- a/dipl/дипломная презента.pptx
+++ b/dipl/дипломная презента.pptx
@@ -21,24 +21,18 @@
     <p:sldId id="279" r:id="rId15"/>
     <p:sldId id="280" r:id="rId16"/>
     <p:sldId id="282" r:id="rId17"/>
+    <p:sldId id="283" r:id="rId18"/>
+    <p:sldId id="284" r:id="rId19"/>
   </p:sldIdLst>
   <p:sldSz cx="18288000" cy="10287000"/>
   <p:notesSz cx="6858000" cy="9144000"/>
   <p:embeddedFontLst>
     <p:embeddedFont>
-      <p:font typeface="Rubik Medium Bold" panose="020B0604020202020204" charset="-79"/>
-      <p:regular r:id="rId18"/>
-    </p:embeddedFont>
-    <p:embeddedFont>
-      <p:font typeface="Montserrat Bold" panose="020B0604020202020204" charset="-52"/>
-      <p:regular r:id="rId19"/>
-    </p:embeddedFont>
-    <p:embeddedFont>
-      <p:font typeface="Montserrat" panose="020B0604020202020204" charset="-52"/>
+      <p:font typeface="Clear Sans Bold" panose="020B0604020202020204" charset="0"/>
       <p:regular r:id="rId20"/>
     </p:embeddedFont>
     <p:embeddedFont>
-      <p:font typeface="Rubik Medium" panose="020B0604020202020204" charset="-79"/>
+      <p:font typeface="Open Sans Light" panose="020B0604020202020204" charset="0"/>
       <p:regular r:id="rId21"/>
     </p:embeddedFont>
     <p:embeddedFont>
@@ -49,12 +43,20 @@
       <p:boldItalic r:id="rId25"/>
     </p:embeddedFont>
     <p:embeddedFont>
-      <p:font typeface="Clear Sans Bold" panose="020B0604020202020204" charset="0"/>
+      <p:font typeface="Rubik Medium" panose="020B0604020202020204" charset="-79"/>
       <p:regular r:id="rId26"/>
     </p:embeddedFont>
     <p:embeddedFont>
-      <p:font typeface="Open Sans Light" panose="020B0604020202020204" charset="0"/>
+      <p:font typeface="Montserrat" panose="020B0604020202020204" charset="-52"/>
       <p:regular r:id="rId27"/>
+    </p:embeddedFont>
+    <p:embeddedFont>
+      <p:font typeface="Montserrat Bold" panose="020B0604020202020204" charset="-52"/>
+      <p:regular r:id="rId28"/>
+    </p:embeddedFont>
+    <p:embeddedFont>
+      <p:font typeface="Rubik Medium Bold" panose="020B0604020202020204" charset="-79"/>
+      <p:regular r:id="rId29"/>
     </p:embeddedFont>
   </p:embeddedFontLst>
   <p:defaultTextStyle>
@@ -353,7 +355,7 @@
             <a:fld id="{1D8BD707-D9CF-40AE-B4C6-C98DA3205C09}" type="datetimeFigureOut">
               <a:rPr lang="en-US" smtClean="0"/>
               <a:pPr/>
-              <a:t>6/9/2022</a:t>
+              <a:t>6/15/2022</a:t>
             </a:fld>
             <a:endParaRPr lang="en-US"/>
           </a:p>
@@ -520,7 +522,7 @@
             <a:fld id="{1D8BD707-D9CF-40AE-B4C6-C98DA3205C09}" type="datetimeFigureOut">
               <a:rPr lang="en-US" smtClean="0"/>
               <a:pPr/>
-              <a:t>6/9/2022</a:t>
+              <a:t>6/15/2022</a:t>
             </a:fld>
             <a:endParaRPr lang="en-US"/>
           </a:p>
@@ -697,7 +699,7 @@
             <a:fld id="{1D8BD707-D9CF-40AE-B4C6-C98DA3205C09}" type="datetimeFigureOut">
               <a:rPr lang="en-US" smtClean="0"/>
               <a:pPr/>
-              <a:t>6/9/2022</a:t>
+              <a:t>6/15/2022</a:t>
             </a:fld>
             <a:endParaRPr lang="en-US"/>
           </a:p>
@@ -864,7 +866,7 @@
             <a:fld id="{1D8BD707-D9CF-40AE-B4C6-C98DA3205C09}" type="datetimeFigureOut">
               <a:rPr lang="en-US" smtClean="0"/>
               <a:pPr/>
-              <a:t>6/9/2022</a:t>
+              <a:t>6/15/2022</a:t>
             </a:fld>
             <a:endParaRPr lang="en-US"/>
           </a:p>
@@ -1107,7 +1109,7 @@
             <a:fld id="{1D8BD707-D9CF-40AE-B4C6-C98DA3205C09}" type="datetimeFigureOut">
               <a:rPr lang="en-US" smtClean="0"/>
               <a:pPr/>
-              <a:t>6/9/2022</a:t>
+              <a:t>6/15/2022</a:t>
             </a:fld>
             <a:endParaRPr lang="en-US"/>
           </a:p>
@@ -1392,7 +1394,7 @@
             <a:fld id="{1D8BD707-D9CF-40AE-B4C6-C98DA3205C09}" type="datetimeFigureOut">
               <a:rPr lang="en-US" smtClean="0"/>
               <a:pPr/>
-              <a:t>6/9/2022</a:t>
+              <a:t>6/15/2022</a:t>
             </a:fld>
             <a:endParaRPr lang="en-US"/>
           </a:p>
@@ -1811,7 +1813,7 @@
             <a:fld id="{1D8BD707-D9CF-40AE-B4C6-C98DA3205C09}" type="datetimeFigureOut">
               <a:rPr lang="en-US" smtClean="0"/>
               <a:pPr/>
-              <a:t>6/9/2022</a:t>
+              <a:t>6/15/2022</a:t>
             </a:fld>
             <a:endParaRPr lang="en-US"/>
           </a:p>
@@ -1926,7 +1928,7 @@
             <a:fld id="{1D8BD707-D9CF-40AE-B4C6-C98DA3205C09}" type="datetimeFigureOut">
               <a:rPr lang="en-US" smtClean="0"/>
               <a:pPr/>
-              <a:t>6/9/2022</a:t>
+              <a:t>6/15/2022</a:t>
             </a:fld>
             <a:endParaRPr lang="en-US"/>
           </a:p>
@@ -2018,7 +2020,7 @@
             <a:fld id="{1D8BD707-D9CF-40AE-B4C6-C98DA3205C09}" type="datetimeFigureOut">
               <a:rPr lang="en-US" smtClean="0"/>
               <a:pPr/>
-              <a:t>6/9/2022</a:t>
+              <a:t>6/15/2022</a:t>
             </a:fld>
             <a:endParaRPr lang="en-US"/>
           </a:p>
@@ -2292,7 +2294,7 @@
             <a:fld id="{1D8BD707-D9CF-40AE-B4C6-C98DA3205C09}" type="datetimeFigureOut">
               <a:rPr lang="en-US" smtClean="0"/>
               <a:pPr/>
-              <a:t>6/9/2022</a:t>
+              <a:t>6/15/2022</a:t>
             </a:fld>
             <a:endParaRPr lang="en-US"/>
           </a:p>
@@ -2542,7 +2544,7 @@
             <a:fld id="{1D8BD707-D9CF-40AE-B4C6-C98DA3205C09}" type="datetimeFigureOut">
               <a:rPr lang="en-US" smtClean="0"/>
               <a:pPr/>
-              <a:t>6/9/2022</a:t>
+              <a:t>6/15/2022</a:t>
             </a:fld>
             <a:endParaRPr lang="en-US"/>
           </a:p>
@@ -2752,7 +2754,7 @@
             <a:fld id="{1D8BD707-D9CF-40AE-B4C6-C98DA3205C09}" type="datetimeFigureOut">
               <a:rPr lang="en-US" smtClean="0"/>
               <a:pPr/>
-              <a:t>6/9/2022</a:t>
+              <a:t>6/15/2022</a:t>
             </a:fld>
             <a:endParaRPr lang="en-US"/>
           </a:p>
@@ -3131,8 +3133,8 @@
         </p:nvSpPr>
         <p:spPr>
           <a:xfrm>
-            <a:off x="1291656" y="3693652"/>
-            <a:ext cx="15704686" cy="1137363"/>
+            <a:off x="1716258" y="3546680"/>
+            <a:ext cx="14855481" cy="1256754"/>
           </a:xfrm>
           <a:prstGeom prst="rect">
             <a:avLst/>
@@ -3152,7 +3154,10 @@
             <a:r>
               <a:rPr lang="ru-RU" sz="6000" dirty="0" smtClean="0">
                 <a:solidFill>
-                  <a:srgbClr val="3884FD"/>
+                  <a:schemeClr val="tx1">
+                    <a:lumMod val="95000"/>
+                    <a:lumOff val="5000"/>
+                  </a:schemeClr>
                 </a:solidFill>
                 <a:latin typeface="Rubik Medium"/>
               </a:rPr>
@@ -3160,7 +3165,10 @@
             </a:r>
             <a:endParaRPr lang="en-US" sz="6000" dirty="0">
               <a:solidFill>
-                <a:srgbClr val="3884FD"/>
+                <a:schemeClr val="tx1">
+                  <a:lumMod val="95000"/>
+                  <a:lumOff val="5000"/>
+                </a:schemeClr>
               </a:solidFill>
               <a:latin typeface="Rubik Medium"/>
             </a:endParaRPr>
@@ -3175,8 +3183,8 @@
         </p:nvSpPr>
         <p:spPr>
           <a:xfrm>
-            <a:off x="1291656" y="5510277"/>
-            <a:ext cx="15704686" cy="1816779"/>
+            <a:off x="1700216" y="5307437"/>
+            <a:ext cx="15657342" cy="1846659"/>
           </a:xfrm>
           <a:prstGeom prst="rect">
             <a:avLst/>
@@ -3190,24 +3198,54 @@
           <a:p>
             <a:pPr algn="just">
               <a:lnSpc>
-                <a:spcPts val="7700"/>
+                <a:spcPct val="150000"/>
               </a:lnSpc>
               <a:spcBef>
                 <a:spcPct val="0"/>
               </a:spcBef>
             </a:pPr>
             <a:r>
-              <a:rPr lang="ru-RU" sz="2800" dirty="0" smtClean="0">
-                <a:solidFill>
-                  <a:srgbClr val="000000"/>
+              <a:rPr lang="ru-RU" sz="4000" dirty="0" smtClean="0">
+                <a:solidFill>
+                  <a:schemeClr val="tx1">
+                    <a:lumMod val="95000"/>
+                    <a:lumOff val="5000"/>
+                  </a:schemeClr>
                 </a:solidFill>
                 <a:latin typeface="Montserrat Bold"/>
               </a:rPr>
-              <a:t>Тема: Разработка автоматизированной информационной системы учета товаров складского помещение</a:t>
-            </a:r>
-            <a:endParaRPr lang="en-US" sz="2800" dirty="0">
+              <a:t>Тема: Разработка </a:t>
+            </a:r>
+            <a:r>
+              <a:rPr lang="ru-RU" sz="4000" dirty="0" smtClean="0">
+                <a:solidFill>
+                  <a:schemeClr val="tx1">
+                    <a:lumMod val="95000"/>
+                    <a:lumOff val="5000"/>
+                  </a:schemeClr>
+                </a:solidFill>
+                <a:latin typeface="Montserrat Bold"/>
+              </a:rPr>
+              <a:t>автоматизированной </a:t>
+            </a:r>
+            <a:r>
+              <a:rPr lang="ru-RU" sz="4000" dirty="0" smtClean="0">
+                <a:solidFill>
+                  <a:schemeClr val="tx1">
+                    <a:lumMod val="95000"/>
+                    <a:lumOff val="5000"/>
+                  </a:schemeClr>
+                </a:solidFill>
+                <a:latin typeface="Montserrat Bold"/>
+              </a:rPr>
+              <a:t>информационной системы учета товаров складского помещения</a:t>
+            </a:r>
+            <a:endParaRPr lang="en-US" sz="4000" dirty="0">
               <a:solidFill>
-                <a:srgbClr val="000000"/>
+                <a:schemeClr val="tx1">
+                  <a:lumMod val="95000"/>
+                  <a:lumOff val="5000"/>
+                </a:schemeClr>
               </a:solidFill>
               <a:latin typeface="Montserrat Bold"/>
             </a:endParaRPr>
@@ -3222,8 +3260,8 @@
         </p:nvSpPr>
         <p:spPr>
           <a:xfrm>
-            <a:off x="9220199" y="8042796"/>
-            <a:ext cx="7776143" cy="2244204"/>
+            <a:off x="7086601" y="8914410"/>
+            <a:ext cx="10286999" cy="1346522"/>
           </a:xfrm>
           <a:prstGeom prst="rect">
             <a:avLst/>
@@ -3241,14 +3279,29 @@
               </a:lnSpc>
             </a:pPr>
             <a:r>
-              <a:rPr lang="ru-RU" sz="2499" dirty="0" smtClean="0">
+              <a:rPr lang="ru-RU" sz="3200" dirty="0" smtClean="0">
                 <a:solidFill>
                   <a:srgbClr val="000000"/>
                 </a:solidFill>
-                <a:latin typeface="Open Sans Light"/>
+                <a:latin typeface="Montserrat Bold" panose="020B0604020202020204" charset="-52"/>
               </a:rPr>
-              <a:t>Специальность: 09.02.07. Информационные системы и программирование</a:t>
-            </a:r>
+              <a:t>Выполнила: Абдулкадирова Диана </a:t>
+            </a:r>
+            <a:r>
+              <a:rPr lang="ru-RU" sz="3200" dirty="0" err="1" smtClean="0">
+                <a:solidFill>
+                  <a:srgbClr val="000000"/>
+                </a:solidFill>
+                <a:latin typeface="Montserrat Bold" panose="020B0604020202020204" charset="-52"/>
+              </a:rPr>
+              <a:t>Илшатовна</a:t>
+            </a:r>
+            <a:endParaRPr lang="ru-RU" sz="3200" dirty="0" smtClean="0">
+              <a:solidFill>
+                <a:srgbClr val="000000"/>
+              </a:solidFill>
+              <a:latin typeface="Montserrat Bold" panose="020B0604020202020204" charset="-52"/>
+            </a:endParaRPr>
           </a:p>
           <a:p>
             <a:pPr algn="just">
@@ -3257,29 +3310,32 @@
               </a:lnSpc>
             </a:pPr>
             <a:r>
-              <a:rPr lang="ru-RU" sz="2499" dirty="0" smtClean="0">
+              <a:rPr lang="ru-RU" sz="3200" dirty="0" smtClean="0">
                 <a:solidFill>
                   <a:srgbClr val="000000"/>
                 </a:solidFill>
-                <a:latin typeface="Open Sans Light"/>
+                <a:latin typeface="Montserrat Bold" panose="020B0604020202020204" charset="-52"/>
               </a:rPr>
-              <a:t>Выполнила: Абдулкадирова Диана </a:t>
-            </a:r>
-            <a:r>
-              <a:rPr lang="ru-RU" sz="2499" dirty="0" err="1" smtClean="0">
+              <a:t>Руководитель: </a:t>
+            </a:r>
+            <a:r>
+              <a:rPr lang="ru-RU" sz="3200" dirty="0" err="1" smtClean="0">
                 <a:solidFill>
                   <a:srgbClr val="000000"/>
                 </a:solidFill>
-                <a:latin typeface="Open Sans Light"/>
+                <a:latin typeface="Montserrat Bold" panose="020B0604020202020204" charset="-52"/>
               </a:rPr>
-              <a:t>Илшатовна</a:t>
-            </a:r>
-            <a:endParaRPr lang="ru-RU" sz="2499" dirty="0" smtClean="0">
-              <a:solidFill>
-                <a:srgbClr val="000000"/>
-              </a:solidFill>
-              <a:latin typeface="Open Sans Light"/>
-            </a:endParaRPr>
+              <a:t>Виеру</a:t>
+            </a:r>
+            <a:r>
+              <a:rPr lang="ru-RU" sz="3200" dirty="0" smtClean="0">
+                <a:solidFill>
+                  <a:srgbClr val="000000"/>
+                </a:solidFill>
+                <a:latin typeface="Montserrat Bold" panose="020B0604020202020204" charset="-52"/>
+              </a:rPr>
+              <a:t> Анастасия Николаевна</a:t>
+            </a:r>
           </a:p>
           <a:p>
             <a:pPr algn="just">
@@ -3288,41 +3344,7 @@
               </a:lnSpc>
             </a:pPr>
             <a:r>
-              <a:rPr lang="ru-RU" sz="2499" dirty="0" smtClean="0">
-                <a:solidFill>
-                  <a:srgbClr val="000000"/>
-                </a:solidFill>
-                <a:latin typeface="Open Sans Light"/>
-              </a:rPr>
-              <a:t>Руководитель: </a:t>
-            </a:r>
-            <a:r>
-              <a:rPr lang="ru-RU" sz="2499" dirty="0" err="1" smtClean="0">
-                <a:solidFill>
-                  <a:srgbClr val="000000"/>
-                </a:solidFill>
-                <a:latin typeface="Open Sans Light"/>
-              </a:rPr>
-              <a:t>Виеру</a:t>
-            </a:r>
-            <a:r>
-              <a:rPr lang="ru-RU" sz="2499" dirty="0" smtClean="0">
-                <a:solidFill>
-                  <a:srgbClr val="000000"/>
-                </a:solidFill>
-                <a:latin typeface="Open Sans Light"/>
-              </a:rPr>
-              <a:t> Анастасия Николаевна</a:t>
-            </a:r>
-          </a:p>
-          <a:p>
-            <a:pPr algn="just">
-              <a:lnSpc>
-                <a:spcPts val="3499"/>
-              </a:lnSpc>
-            </a:pPr>
-            <a:r>
-              <a:rPr lang="ru-RU" sz="2499" dirty="0" smtClean="0">
+              <a:rPr lang="ru-RU" sz="3200" dirty="0" smtClean="0">
                 <a:solidFill>
                   <a:srgbClr val="000000"/>
                 </a:solidFill>
@@ -3330,7 +3352,7 @@
               </a:rPr>
               <a:t> </a:t>
             </a:r>
-            <a:endParaRPr lang="en-US" sz="2499" dirty="0">
+            <a:endParaRPr lang="en-US" sz="3200" dirty="0">
               <a:solidFill>
                 <a:srgbClr val="000000"/>
               </a:solidFill>
@@ -3360,8 +3382,8 @@
         </p:blipFill>
         <p:spPr bwMode="auto">
           <a:xfrm>
-            <a:off x="3153249" y="419099"/>
-            <a:ext cx="12133899" cy="2595291"/>
+            <a:off x="2057400" y="457199"/>
+            <a:ext cx="14006276" cy="2867931"/>
           </a:xfrm>
           <a:prstGeom prst="rect">
             <a:avLst/>
@@ -3372,6 +3394,111 @@
           </a:ln>
         </p:spPr>
       </p:pic>
+      <p:sp>
+        <p:nvSpPr>
+          <p:cNvPr id="2" name="Прямоугольник 1"/>
+          <p:cNvSpPr/>
+          <p:nvPr/>
+        </p:nvSpPr>
+        <p:spPr>
+          <a:xfrm>
+            <a:off x="1716258" y="7658100"/>
+            <a:ext cx="14546426" cy="990015"/>
+          </a:xfrm>
+          <a:prstGeom prst="rect">
+            <a:avLst/>
+          </a:prstGeom>
+        </p:spPr>
+        <p:txBody>
+          <a:bodyPr wrap="square">
+            <a:spAutoFit/>
+          </a:bodyPr>
+          <a:lstStyle/>
+          <a:p>
+            <a:pPr algn="just">
+              <a:lnSpc>
+                <a:spcPts val="3499"/>
+              </a:lnSpc>
+            </a:pPr>
+            <a:r>
+              <a:rPr lang="ru-RU" sz="2800" dirty="0">
+                <a:solidFill>
+                  <a:schemeClr val="tx1">
+                    <a:lumMod val="95000"/>
+                    <a:lumOff val="5000"/>
+                  </a:schemeClr>
+                </a:solidFill>
+                <a:latin typeface="Montserrat Bold" panose="020B0604020202020204" charset="-52"/>
+              </a:rPr>
+              <a:t>Специальность: 09.02.07. Информационные системы и </a:t>
+            </a:r>
+            <a:r>
+              <a:rPr lang="ru-RU" sz="2800" dirty="0" smtClean="0">
+                <a:solidFill>
+                  <a:schemeClr val="tx1">
+                    <a:lumMod val="95000"/>
+                    <a:lumOff val="5000"/>
+                  </a:schemeClr>
+                </a:solidFill>
+                <a:latin typeface="Montserrat Bold" panose="020B0604020202020204" charset="-52"/>
+              </a:rPr>
+              <a:t>программирование</a:t>
+            </a:r>
+          </a:p>
+          <a:p>
+            <a:pPr algn="just">
+              <a:lnSpc>
+                <a:spcPts val="3499"/>
+              </a:lnSpc>
+            </a:pPr>
+            <a:r>
+              <a:rPr lang="ru-RU" sz="2800" dirty="0" smtClean="0">
+                <a:solidFill>
+                  <a:schemeClr val="tx1">
+                    <a:lumMod val="95000"/>
+                    <a:lumOff val="5000"/>
+                  </a:schemeClr>
+                </a:solidFill>
+                <a:latin typeface="Montserrat Bold" panose="020B0604020202020204" charset="-52"/>
+              </a:rPr>
+              <a:t>Группа</a:t>
+            </a:r>
+            <a:r>
+              <a:rPr lang="en-US" sz="2800" dirty="0" smtClean="0">
+                <a:solidFill>
+                  <a:schemeClr val="tx1">
+                    <a:lumMod val="95000"/>
+                    <a:lumOff val="5000"/>
+                  </a:schemeClr>
+                </a:solidFill>
+                <a:latin typeface="Montserrat Bold" panose="020B0604020202020204" charset="-52"/>
+              </a:rPr>
+              <a:t>: </a:t>
+            </a:r>
+            <a:r>
+              <a:rPr lang="ru-RU" sz="2800" dirty="0" smtClean="0">
+                <a:solidFill>
+                  <a:schemeClr val="tx1">
+                    <a:lumMod val="95000"/>
+                    <a:lumOff val="5000"/>
+                  </a:schemeClr>
+                </a:solidFill>
+                <a:latin typeface="Montserrat Bold" panose="020B0604020202020204" charset="-52"/>
+              </a:rPr>
+              <a:t>4 ИСП 9-4</a:t>
+            </a:r>
+            <a:endParaRPr lang="ru-RU" sz="2800" dirty="0">
+              <a:solidFill>
+                <a:schemeClr val="tx1">
+                  <a:lumMod val="95000"/>
+                  <a:lumOff val="5000"/>
+                </a:schemeClr>
+              </a:solidFill>
+              <a:latin typeface="Montserrat Bold" panose="020B0604020202020204" charset="-52"/>
+            </a:endParaRPr>
+          </a:p>
+        </p:txBody>
+      </p:sp>
     </p:spTree>
   </p:cSld>
   <p:clrMapOvr>
@@ -3420,7 +3547,7 @@
         </p:nvSpPr>
         <p:spPr>
           <a:xfrm>
-            <a:off x="9375298" y="9175893"/>
+            <a:off x="9525000" y="9639300"/>
             <a:ext cx="8346765" cy="0"/>
           </a:xfrm>
           <a:prstGeom prst="line">
@@ -3444,7 +3571,7 @@
         </p:nvSpPr>
         <p:spPr>
           <a:xfrm>
-            <a:off x="1890422" y="1340340"/>
+            <a:off x="1295400" y="419100"/>
             <a:ext cx="6339178" cy="718145"/>
           </a:xfrm>
           <a:prstGeom prst="rect">
@@ -3465,11 +3592,20 @@
             <a:r>
               <a:rPr lang="ru-RU" sz="4000" dirty="0">
                 <a:solidFill>
-                  <a:srgbClr val="243762"/>
+                  <a:srgbClr val="2F416A"/>
                 </a:solidFill>
                 <a:latin typeface="Rubik Medium Bold"/>
               </a:rPr>
-              <a:t>Физическая диаграмма</a:t>
+              <a:t>Физическая</a:t>
+            </a:r>
+            <a:r>
+              <a:rPr lang="ru-RU" sz="4000" dirty="0">
+                <a:solidFill>
+                  <a:srgbClr val="243762"/>
+                </a:solidFill>
+                <a:latin typeface="Rubik Medium Bold"/>
+              </a:rPr>
+              <a:t> диаграмма</a:t>
             </a:r>
             <a:endParaRPr lang="en-US" sz="4000" dirty="0">
               <a:solidFill>
@@ -3506,7 +3642,7 @@
         </p:blipFill>
         <p:spPr>
           <a:xfrm>
-            <a:off x="1028700" y="1456752"/>
+            <a:off x="433678" y="535512"/>
             <a:ext cx="560926" cy="560926"/>
           </a:xfrm>
           <a:prstGeom prst="rect">
@@ -3540,7 +3676,7 @@
         </p:blipFill>
         <p:spPr>
           <a:xfrm>
-            <a:off x="8249933" y="1496706"/>
+            <a:off x="7654911" y="575466"/>
             <a:ext cx="560926" cy="560926"/>
           </a:xfrm>
           <a:prstGeom prst="rect">
@@ -3556,8 +3692,8 @@
         </p:nvSpPr>
         <p:spPr>
           <a:xfrm>
-            <a:off x="1028700" y="8918576"/>
-            <a:ext cx="4914900" cy="359073"/>
+            <a:off x="373520" y="9280227"/>
+            <a:ext cx="2826880" cy="718145"/>
           </a:xfrm>
           <a:prstGeom prst="rect">
             <a:avLst/>
@@ -3581,7 +3717,38 @@
                 </a:solidFill>
                 <a:latin typeface="Montserrat"/>
               </a:rPr>
-              <a:t>Разработка АИС учета товаров</a:t>
+              <a:t>Разработка </a:t>
+            </a:r>
+            <a:endParaRPr lang="ru-RU" sz="2000" dirty="0" smtClean="0">
+              <a:solidFill>
+                <a:srgbClr val="737373"/>
+              </a:solidFill>
+              <a:latin typeface="Montserrat"/>
+            </a:endParaRPr>
+          </a:p>
+          <a:p>
+            <a:pPr algn="ctr">
+              <a:lnSpc>
+                <a:spcPts val="2800"/>
+              </a:lnSpc>
+            </a:pPr>
+            <a:r>
+              <a:rPr lang="ru-RU" sz="2000" dirty="0" smtClean="0">
+                <a:solidFill>
+                  <a:srgbClr val="737373"/>
+                </a:solidFill>
+                <a:latin typeface="Montserrat"/>
+              </a:rPr>
+              <a:t>АИС учета </a:t>
+            </a:r>
+            <a:r>
+              <a:rPr lang="ru-RU" sz="2000" dirty="0">
+                <a:solidFill>
+                  <a:srgbClr val="737373"/>
+                </a:solidFill>
+                <a:latin typeface="Montserrat"/>
+              </a:rPr>
+              <a:t>товаров</a:t>
             </a:r>
           </a:p>
         </p:txBody>
@@ -3602,8 +3769,8 @@
         </p:blipFill>
         <p:spPr>
           <a:xfrm>
-            <a:off x="3120196" y="2210693"/>
-            <a:ext cx="10820400" cy="6514868"/>
+            <a:off x="3200400" y="1096438"/>
+            <a:ext cx="11201400" cy="8183789"/>
           </a:xfrm>
           <a:prstGeom prst="rect">
             <a:avLst/>
@@ -4038,8 +4205,8 @@
         </p:nvSpPr>
         <p:spPr>
           <a:xfrm>
-            <a:off x="1028700" y="9325869"/>
-            <a:ext cx="4533900" cy="359073"/>
+            <a:off x="228600" y="9334500"/>
+            <a:ext cx="3009900" cy="718145"/>
           </a:xfrm>
           <a:prstGeom prst="rect">
             <a:avLst/>
@@ -4063,7 +4230,38 @@
                 </a:solidFill>
                 <a:latin typeface="Montserrat"/>
               </a:rPr>
-              <a:t>Разработка АИС учета товаров</a:t>
+              <a:t>Разработка </a:t>
+            </a:r>
+            <a:endParaRPr lang="ru-RU" sz="2000" dirty="0" smtClean="0">
+              <a:solidFill>
+                <a:srgbClr val="A6A6A6"/>
+              </a:solidFill>
+              <a:latin typeface="Montserrat"/>
+            </a:endParaRPr>
+          </a:p>
+          <a:p>
+            <a:pPr algn="ctr">
+              <a:lnSpc>
+                <a:spcPts val="2800"/>
+              </a:lnSpc>
+            </a:pPr>
+            <a:r>
+              <a:rPr lang="ru-RU" sz="2000" dirty="0" smtClean="0">
+                <a:solidFill>
+                  <a:srgbClr val="A6A6A6"/>
+                </a:solidFill>
+                <a:latin typeface="Montserrat"/>
+              </a:rPr>
+              <a:t>АИС </a:t>
+            </a:r>
+            <a:r>
+              <a:rPr lang="ru-RU" sz="2000" dirty="0">
+                <a:solidFill>
+                  <a:srgbClr val="A6A6A6"/>
+                </a:solidFill>
+                <a:latin typeface="Montserrat"/>
+              </a:rPr>
+              <a:t>учета товаров</a:t>
             </a:r>
           </a:p>
         </p:txBody>
@@ -4076,16 +4274,15 @@
           </p:cNvPicPr>
           <p:nvPr/>
         </p:nvPicPr>
-        <p:blipFill>
+        <p:blipFill rotWithShape="1">
           <a:blip r:embed="rId4"/>
-          <a:stretch>
-            <a:fillRect/>
-          </a:stretch>
+          <a:srcRect t="1656"/>
+          <a:stretch/>
         </p:blipFill>
         <p:spPr>
           <a:xfrm>
-            <a:off x="3581400" y="2019300"/>
-            <a:ext cx="11163300" cy="6899276"/>
+            <a:off x="3429000" y="1790700"/>
+            <a:ext cx="12115800" cy="7750472"/>
           </a:xfrm>
           <a:prstGeom prst="rect">
             <a:avLst/>
@@ -4140,16 +4337,15 @@
           </p:cNvPicPr>
           <p:nvPr/>
         </p:nvPicPr>
-        <p:blipFill>
+        <p:blipFill rotWithShape="1">
           <a:blip r:embed="rId2"/>
-          <a:stretch>
-            <a:fillRect/>
-          </a:stretch>
+          <a:srcRect l="321" t="1536"/>
+          <a:stretch/>
         </p:blipFill>
         <p:spPr>
           <a:xfrm>
-            <a:off x="1028700" y="2142579"/>
-            <a:ext cx="11873437" cy="6861825"/>
+            <a:off x="762000" y="2142579"/>
+            <a:ext cx="12086935" cy="6861824"/>
           </a:xfrm>
           <a:prstGeom prst="rect">
             <a:avLst/>
@@ -4182,7 +4378,7 @@
         </p:blipFill>
         <p:spPr>
           <a:xfrm>
-            <a:off x="12529949" y="4548806"/>
+            <a:off x="13106400" y="5214117"/>
             <a:ext cx="4943171" cy="4709494"/>
           </a:xfrm>
           <a:prstGeom prst="rect">
@@ -4633,16 +4829,15 @@
           </p:cNvPicPr>
           <p:nvPr/>
         </p:nvPicPr>
-        <p:blipFill>
+        <p:blipFill rotWithShape="1">
           <a:blip r:embed="rId4"/>
-          <a:stretch>
-            <a:fillRect/>
-          </a:stretch>
+          <a:srcRect t="1330" b="-1"/>
+          <a:stretch/>
         </p:blipFill>
         <p:spPr>
           <a:xfrm>
-            <a:off x="6809166" y="1249742"/>
-            <a:ext cx="5749458" cy="7356476"/>
+            <a:off x="6809166" y="1347536"/>
+            <a:ext cx="5749458" cy="7258681"/>
           </a:xfrm>
           <a:prstGeom prst="rect">
             <a:avLst/>
@@ -4927,16 +5122,15 @@
           </p:cNvPicPr>
           <p:nvPr/>
         </p:nvPicPr>
-        <p:blipFill>
+        <p:blipFill rotWithShape="1">
           <a:blip r:embed="rId4"/>
-          <a:stretch>
-            <a:fillRect/>
-          </a:stretch>
+          <a:srcRect t="1681"/>
+          <a:stretch/>
         </p:blipFill>
         <p:spPr>
           <a:xfrm>
-            <a:off x="6887310" y="1918080"/>
-            <a:ext cx="9248243" cy="6019800"/>
+            <a:off x="6887310" y="2019300"/>
+            <a:ext cx="9248243" cy="5918580"/>
           </a:xfrm>
           <a:prstGeom prst="rect">
             <a:avLst/>
@@ -4959,6 +5153,331 @@
 </file>
 
 <file path=ppt/slides/slide16.xml><?xml version="1.0" encoding="utf-8"?>
+<p:sld xmlns:a="http://schemas.openxmlformats.org/drawingml/2006/main" xmlns:r="http://schemas.openxmlformats.org/officeDocument/2006/relationships" xmlns:p="http://schemas.openxmlformats.org/presentationml/2006/main" show="0">
+  <p:cSld>
+    <p:spTree>
+      <p:nvGrpSpPr>
+        <p:cNvPr id="1" name=""/>
+        <p:cNvGrpSpPr/>
+        <p:nvPr/>
+      </p:nvGrpSpPr>
+      <p:grpSpPr>
+        <a:xfrm>
+          <a:off x="0" y="0"/>
+          <a:ext cx="0" cy="0"/>
+          <a:chOff x="0" y="0"/>
+          <a:chExt cx="0" cy="0"/>
+        </a:xfrm>
+      </p:grpSpPr>
+      <p:pic>
+        <p:nvPicPr>
+          <p:cNvPr id="2" name="Picture 2"/>
+          <p:cNvPicPr>
+            <a:picLocks noChangeAspect="1"/>
+          </p:cNvPicPr>
+          <p:nvPr/>
+        </p:nvPicPr>
+        <p:blipFill>
+          <a:blip r:embed="rId2">
+            <a:extLst>
+              <a:ext uri="{28A0092B-C50C-407E-A947-70E740481C1C}">
+                <a14:useLocalDpi xmlns:a14="http://schemas.microsoft.com/office/drawing/2010/main" val="0"/>
+              </a:ext>
+              <a:ext uri="{96DAC541-7B7A-43D3-8B79-37D633B846F1}">
+                <asvg:svgBlip xmlns="" xmlns:asvg="http://schemas.microsoft.com/office/drawing/2016/SVG/main" r:embed="rId3"/>
+              </a:ext>
+            </a:extLst>
+          </a:blip>
+          <a:srcRect/>
+          <a:stretch>
+            <a:fillRect/>
+          </a:stretch>
+        </p:blipFill>
+        <p:spPr>
+          <a:xfrm>
+            <a:off x="12879538" y="4597221"/>
+            <a:ext cx="4461525" cy="4603826"/>
+          </a:xfrm>
+          <a:prstGeom prst="rect">
+            <a:avLst/>
+          </a:prstGeom>
+        </p:spPr>
+      </p:pic>
+      <p:sp>
+        <p:nvSpPr>
+          <p:cNvPr id="3" name="AutoShape 3"/>
+          <p:cNvSpPr/>
+          <p:nvPr/>
+        </p:nvSpPr>
+        <p:spPr>
+          <a:xfrm>
+            <a:off x="9375298" y="9175893"/>
+            <a:ext cx="8346765" cy="0"/>
+          </a:xfrm>
+          <a:prstGeom prst="line">
+            <a:avLst/>
+          </a:prstGeom>
+          <a:ln w="19050" cap="rnd">
+            <a:solidFill>
+              <a:srgbClr val="243762"/>
+            </a:solidFill>
+            <a:prstDash val="solid"/>
+            <a:headEnd type="none" w="sm" len="sm"/>
+            <a:tailEnd type="none" w="sm" len="sm"/>
+          </a:ln>
+        </p:spPr>
+      </p:sp>
+      <p:pic>
+        <p:nvPicPr>
+          <p:cNvPr id="4" name="Picture 4"/>
+          <p:cNvPicPr>
+            <a:picLocks noChangeAspect="1"/>
+          </p:cNvPicPr>
+          <p:nvPr/>
+        </p:nvPicPr>
+        <p:blipFill>
+          <a:blip r:embed="rId4">
+            <a:extLst>
+              <a:ext uri="{28A0092B-C50C-407E-A947-70E740481C1C}">
+                <a14:useLocalDpi xmlns:a14="http://schemas.microsoft.com/office/drawing/2010/main" val="0"/>
+              </a:ext>
+              <a:ext uri="{96DAC541-7B7A-43D3-8B79-37D633B846F1}">
+                <asvg:svgBlip xmlns="" xmlns:asvg="http://schemas.microsoft.com/office/drawing/2016/SVG/main" r:embed="rId5"/>
+              </a:ext>
+            </a:extLst>
+          </a:blip>
+          <a:srcRect/>
+          <a:stretch>
+            <a:fillRect/>
+          </a:stretch>
+        </p:blipFill>
+        <p:spPr>
+          <a:xfrm flipH="1">
+            <a:off x="9958868" y="6769869"/>
+            <a:ext cx="5078409" cy="2493037"/>
+          </a:xfrm>
+          <a:prstGeom prst="rect">
+            <a:avLst/>
+          </a:prstGeom>
+        </p:spPr>
+      </p:pic>
+      <p:sp>
+        <p:nvSpPr>
+          <p:cNvPr id="5" name="TextBox 5"/>
+          <p:cNvSpPr txBox="1"/>
+          <p:nvPr/>
+        </p:nvSpPr>
+        <p:spPr>
+          <a:xfrm>
+            <a:off x="1890422" y="1340340"/>
+            <a:ext cx="5121434" cy="668453"/>
+          </a:xfrm>
+          <a:prstGeom prst="rect">
+            <a:avLst/>
+          </a:prstGeom>
+        </p:spPr>
+        <p:txBody>
+          <a:bodyPr lIns="0" tIns="0" rIns="0" bIns="0" rtlCol="0" anchor="t">
+            <a:spAutoFit/>
+          </a:bodyPr>
+          <a:lstStyle/>
+          <a:p>
+            <a:pPr algn="ctr">
+              <a:lnSpc>
+                <a:spcPts val="5600"/>
+              </a:lnSpc>
+            </a:pPr>
+            <a:r>
+              <a:rPr lang="ru-RU" sz="4000" dirty="0" smtClean="0">
+                <a:solidFill>
+                  <a:srgbClr val="243762"/>
+                </a:solidFill>
+                <a:latin typeface="Rubik Medium Bold"/>
+              </a:rPr>
+              <a:t>Заключение</a:t>
+            </a:r>
+            <a:endParaRPr lang="en-US" sz="4000" dirty="0">
+              <a:solidFill>
+                <a:srgbClr val="243762"/>
+              </a:solidFill>
+              <a:latin typeface="Rubik Medium Bold"/>
+            </a:endParaRPr>
+          </a:p>
+        </p:txBody>
+      </p:sp>
+      <p:sp>
+        <p:nvSpPr>
+          <p:cNvPr id="7" name="TextBox 7"/>
+          <p:cNvSpPr txBox="1"/>
+          <p:nvPr/>
+        </p:nvSpPr>
+        <p:spPr>
+          <a:xfrm>
+            <a:off x="1897349" y="2446162"/>
+            <a:ext cx="8978469" cy="5386090"/>
+          </a:xfrm>
+          <a:prstGeom prst="rect">
+            <a:avLst/>
+          </a:prstGeom>
+        </p:spPr>
+        <p:txBody>
+          <a:bodyPr wrap="square" lIns="0" tIns="0" rIns="0" bIns="0" rtlCol="0" anchor="t">
+            <a:spAutoFit/>
+          </a:bodyPr>
+          <a:lstStyle/>
+          <a:p>
+            <a:pPr>
+              <a:lnSpc>
+                <a:spcPts val="3500"/>
+              </a:lnSpc>
+            </a:pPr>
+            <a:r>
+              <a:rPr lang="ru-RU" sz="2500" dirty="0">
+                <a:solidFill>
+                  <a:srgbClr val="000000"/>
+                </a:solidFill>
+                <a:latin typeface="Montserrat"/>
+              </a:rPr>
+              <a:t>Для достижения поставленной цели использовались программные средства - система управления базами данных MS SQL Server и среда разработки Visual Studio с применением языка программирования C#. База данных была приведена к третьей нормальной форме. Проект выполнялся при помощи технологии WPF. Созданная база данных может быть усовершенствована и дополнена новыми данными в дальнейшем. Применение разработанной автоматизированной системы позволит максимально упростить и ускорить процесс учета товаров.</a:t>
+            </a:r>
+          </a:p>
+        </p:txBody>
+      </p:sp>
+      <p:pic>
+        <p:nvPicPr>
+          <p:cNvPr id="8" name="Picture 8"/>
+          <p:cNvPicPr>
+            <a:picLocks noChangeAspect="1"/>
+          </p:cNvPicPr>
+          <p:nvPr/>
+        </p:nvPicPr>
+        <p:blipFill>
+          <a:blip r:embed="rId6" cstate="print">
+            <a:extLst>
+              <a:ext uri="{28A0092B-C50C-407E-A947-70E740481C1C}">
+                <a14:useLocalDpi xmlns:a14="http://schemas.microsoft.com/office/drawing/2010/main" val="0"/>
+              </a:ext>
+              <a:ext uri="{96DAC541-7B7A-43D3-8B79-37D633B846F1}">
+                <asvg:svgBlip xmlns="" xmlns:asvg="http://schemas.microsoft.com/office/drawing/2016/SVG/main" r:embed="rId7"/>
+              </a:ext>
+            </a:extLst>
+          </a:blip>
+          <a:srcRect/>
+          <a:stretch>
+            <a:fillRect/>
+          </a:stretch>
+        </p:blipFill>
+        <p:spPr>
+          <a:xfrm>
+            <a:off x="1028700" y="1456752"/>
+            <a:ext cx="560926" cy="560926"/>
+          </a:xfrm>
+          <a:prstGeom prst="rect">
+            <a:avLst/>
+          </a:prstGeom>
+        </p:spPr>
+      </p:pic>
+      <p:pic>
+        <p:nvPicPr>
+          <p:cNvPr id="11" name="Picture 11"/>
+          <p:cNvPicPr>
+            <a:picLocks noChangeAspect="1"/>
+          </p:cNvPicPr>
+          <p:nvPr/>
+        </p:nvPicPr>
+        <p:blipFill>
+          <a:blip r:embed="rId6" cstate="print">
+            <a:extLst>
+              <a:ext uri="{28A0092B-C50C-407E-A947-70E740481C1C}">
+                <a14:useLocalDpi xmlns:a14="http://schemas.microsoft.com/office/drawing/2010/main" val="0"/>
+              </a:ext>
+              <a:ext uri="{96DAC541-7B7A-43D3-8B79-37D633B846F1}">
+                <asvg:svgBlip xmlns="" xmlns:asvg="http://schemas.microsoft.com/office/drawing/2016/SVG/main" r:embed="rId7"/>
+              </a:ext>
+            </a:extLst>
+          </a:blip>
+          <a:srcRect/>
+          <a:stretch>
+            <a:fillRect/>
+          </a:stretch>
+        </p:blipFill>
+        <p:spPr>
+          <a:xfrm>
+            <a:off x="7372896" y="1477914"/>
+            <a:ext cx="560926" cy="560926"/>
+          </a:xfrm>
+          <a:prstGeom prst="rect">
+            <a:avLst/>
+          </a:prstGeom>
+        </p:spPr>
+      </p:pic>
+      <p:sp>
+        <p:nvSpPr>
+          <p:cNvPr id="18" name="TextBox 18"/>
+          <p:cNvSpPr txBox="1"/>
+          <p:nvPr/>
+        </p:nvSpPr>
+        <p:spPr>
+          <a:xfrm>
+            <a:off x="1028700" y="8918576"/>
+            <a:ext cx="4381500" cy="359073"/>
+          </a:xfrm>
+          <a:prstGeom prst="rect">
+            <a:avLst/>
+          </a:prstGeom>
+        </p:spPr>
+        <p:txBody>
+          <a:bodyPr wrap="square" lIns="0" tIns="0" rIns="0" bIns="0" rtlCol="0" anchor="t">
+            <a:spAutoFit/>
+          </a:bodyPr>
+          <a:lstStyle/>
+          <a:p>
+            <a:pPr algn="ctr">
+              <a:lnSpc>
+                <a:spcPts val="2800"/>
+              </a:lnSpc>
+            </a:pPr>
+            <a:r>
+              <a:rPr lang="ru-RU" sz="2000" dirty="0">
+                <a:solidFill>
+                  <a:srgbClr val="737373"/>
+                </a:solidFill>
+                <a:latin typeface="Montserrat"/>
+              </a:rPr>
+              <a:t>Разработка АИС учета товаров</a:t>
+            </a:r>
+          </a:p>
+        </p:txBody>
+      </p:sp>
+    </p:spTree>
+    <p:extLst>
+      <p:ext uri="{BB962C8B-B14F-4D97-AF65-F5344CB8AC3E}">
+        <p14:creationId xmlns:p14="http://schemas.microsoft.com/office/powerpoint/2010/main" val="1005520976"/>
+      </p:ext>
+    </p:extLst>
+  </p:cSld>
+  <p:clrMapOvr>
+    <a:masterClrMapping/>
+  </p:clrMapOvr>
+  <mc:AlternateContent xmlns:mc="http://schemas.openxmlformats.org/markup-compatibility/2006" xmlns:p14="http://schemas.microsoft.com/office/powerpoint/2010/main">
+    <mc:Choice Requires="p14">
+      <p:transition spd="slow" p14:dur="2000"/>
+    </mc:Choice>
+    <mc:Fallback xmlns="">
+      <p:transition spd="slow"/>
+    </mc:Fallback>
+  </mc:AlternateContent>
+  <p:timing>
+    <p:tnLst>
+      <p:par>
+        <p:cTn id="1" dur="indefinite" restart="never" nodeType="tmRoot"/>
+      </p:par>
+    </p:tnLst>
+  </p:timing>
+</p:sld>
+</file>
+
+<file path=ppt/slides/slide17.xml><?xml version="1.0" encoding="utf-8"?>
 <p:sld xmlns:a="http://schemas.openxmlformats.org/drawingml/2006/main" xmlns:r="http://schemas.openxmlformats.org/officeDocument/2006/relationships" xmlns:p="http://schemas.openxmlformats.org/presentationml/2006/main">
   <p:cSld>
     <p:spTree>
@@ -5111,44 +5630,6 @@
           </a:p>
         </p:txBody>
       </p:sp>
-      <p:sp>
-        <p:nvSpPr>
-          <p:cNvPr id="7" name="TextBox 7"/>
-          <p:cNvSpPr txBox="1"/>
-          <p:nvPr/>
-        </p:nvSpPr>
-        <p:spPr>
-          <a:xfrm>
-            <a:off x="1897349" y="2446162"/>
-            <a:ext cx="8978469" cy="5386090"/>
-          </a:xfrm>
-          <a:prstGeom prst="rect">
-            <a:avLst/>
-          </a:prstGeom>
-        </p:spPr>
-        <p:txBody>
-          <a:bodyPr wrap="square" lIns="0" tIns="0" rIns="0" bIns="0" rtlCol="0" anchor="t">
-            <a:spAutoFit/>
-          </a:bodyPr>
-          <a:lstStyle/>
-          <a:p>
-            <a:pPr>
-              <a:lnSpc>
-                <a:spcPts val="3500"/>
-              </a:lnSpc>
-            </a:pPr>
-            <a:r>
-              <a:rPr lang="ru-RU" sz="2500" dirty="0">
-                <a:solidFill>
-                  <a:srgbClr val="000000"/>
-                </a:solidFill>
-                <a:latin typeface="Montserrat"/>
-              </a:rPr>
-              <a:t>Для достижения поставленной цели использовались программные средства - система управления базами данных MS SQL Server и среда разработки Visual Studio с применением языка программирования C#. База данных была приведена к третьей нормальной форме. Проект выполнялся при помощи технологии WPF. Созданная база данных может быть усовершенствована и дополнена новыми данными в дальнейшем. Применение разработанной автоматизированной системы позволит максимально упростить и ускорить процесс учета товаров.</a:t>
-            </a:r>
-          </a:p>
-        </p:txBody>
-      </p:sp>
       <p:pic>
         <p:nvPicPr>
           <p:cNvPr id="8" name="Picture 8"/>
@@ -5258,7 +5739,88 @@
     </p:spTree>
     <p:extLst>
       <p:ext uri="{BB962C8B-B14F-4D97-AF65-F5344CB8AC3E}">
-        <p14:creationId xmlns:p14="http://schemas.microsoft.com/office/powerpoint/2010/main" val="1005520976"/>
+        <p14:creationId xmlns:p14="http://schemas.microsoft.com/office/powerpoint/2010/main" val="4258804368"/>
+      </p:ext>
+    </p:extLst>
+  </p:cSld>
+  <p:clrMapOvr>
+    <a:masterClrMapping/>
+  </p:clrMapOvr>
+  <p:timing>
+    <p:tnLst>
+      <p:par>
+        <p:cTn id="1" dur="indefinite" restart="never" nodeType="tmRoot"/>
+      </p:par>
+    </p:tnLst>
+  </p:timing>
+</p:sld>
+</file>
+
+<file path=ppt/slides/slide18.xml><?xml version="1.0" encoding="utf-8"?>
+<p:sld xmlns:a="http://schemas.openxmlformats.org/drawingml/2006/main" xmlns:r="http://schemas.openxmlformats.org/officeDocument/2006/relationships" xmlns:p="http://schemas.openxmlformats.org/presentationml/2006/main">
+  <p:cSld>
+    <p:spTree>
+      <p:nvGrpSpPr>
+        <p:cNvPr id="1" name=""/>
+        <p:cNvGrpSpPr/>
+        <p:nvPr/>
+      </p:nvGrpSpPr>
+      <p:grpSpPr>
+        <a:xfrm>
+          <a:off x="0" y="0"/>
+          <a:ext cx="0" cy="0"/>
+          <a:chOff x="0" y="0"/>
+          <a:chExt cx="0" cy="0"/>
+        </a:xfrm>
+      </p:grpSpPr>
+      <p:sp>
+        <p:nvSpPr>
+          <p:cNvPr id="2" name="Заголовок 1"/>
+          <p:cNvSpPr>
+            <a:spLocks noGrp="1"/>
+          </p:cNvSpPr>
+          <p:nvPr>
+            <p:ph type="title"/>
+          </p:nvPr>
+        </p:nvSpPr>
+        <p:spPr>
+          <a:xfrm>
+            <a:off x="1371600" y="2171700"/>
+            <a:ext cx="15697200" cy="6324600"/>
+          </a:xfrm>
+        </p:spPr>
+        <p:txBody>
+          <a:bodyPr>
+            <a:noAutofit/>
+          </a:bodyPr>
+          <a:lstStyle/>
+          <a:p>
+            <a:r>
+              <a:rPr lang="ru-RU" sz="16600" dirty="0">
+                <a:solidFill>
+                  <a:srgbClr val="2F416A"/>
+                </a:solidFill>
+                <a:latin typeface="Rubik Medium" panose="020B0604020202020204" charset="-79"/>
+                <a:ea typeface="+mn-ea"/>
+                <a:cs typeface="Rubik Medium" panose="020B0604020202020204" charset="-79"/>
+              </a:rPr>
+              <a:t>СПАСИБО ЗА ВНИМАНИЕ!!!</a:t>
+            </a:r>
+            <a:endParaRPr lang="ru-RU" sz="16600" dirty="0">
+              <a:solidFill>
+                <a:srgbClr val="2F416A"/>
+              </a:solidFill>
+              <a:latin typeface="Rubik Medium" panose="020B0604020202020204" charset="-79"/>
+              <a:ea typeface="+mn-ea"/>
+              <a:cs typeface="Rubik Medium" panose="020B0604020202020204" charset="-79"/>
+            </a:endParaRPr>
+          </a:p>
+        </p:txBody>
+      </p:sp>
+    </p:spTree>
+    <p:extLst>
+      <p:ext uri="{BB962C8B-B14F-4D97-AF65-F5344CB8AC3E}">
+        <p14:creationId xmlns:p14="http://schemas.microsoft.com/office/powerpoint/2010/main" val="4144563779"/>
       </p:ext>
     </p:extLst>
   </p:cSld>
@@ -5480,7 +6042,7 @@
 </file>
 
 <file path=ppt/slides/slide3.xml><?xml version="1.0" encoding="utf-8"?>
-<p:sld xmlns:a="http://schemas.openxmlformats.org/drawingml/2006/main" xmlns:r="http://schemas.openxmlformats.org/officeDocument/2006/relationships" xmlns:p="http://schemas.openxmlformats.org/presentationml/2006/main">
+<p:sld xmlns:a="http://schemas.openxmlformats.org/drawingml/2006/main" xmlns:r="http://schemas.openxmlformats.org/officeDocument/2006/relationships" xmlns:p="http://schemas.openxmlformats.org/presentationml/2006/main" show="0">
   <p:cSld>
     <p:spTree>
       <p:nvGrpSpPr>
@@ -5695,6 +6257,14 @@
   <p:clrMapOvr>
     <a:masterClrMapping/>
   </p:clrMapOvr>
+  <mc:AlternateContent xmlns:mc="http://schemas.openxmlformats.org/markup-compatibility/2006" xmlns:p14="http://schemas.microsoft.com/office/powerpoint/2010/main">
+    <mc:Choice Requires="p14">
+      <p:transition spd="slow" p14:dur="2000"/>
+    </mc:Choice>
+    <mc:Fallback xmlns="">
+      <p:transition spd="slow"/>
+    </mc:Fallback>
+  </mc:AlternateContent>
   <p:timing>
     <p:tnLst>
       <p:par>
@@ -5706,7 +6276,7 @@
 </file>
 
 <file path=ppt/slides/slide4.xml><?xml version="1.0" encoding="utf-8"?>
-<p:sld xmlns:a="http://schemas.openxmlformats.org/drawingml/2006/main" xmlns:r="http://schemas.openxmlformats.org/officeDocument/2006/relationships" xmlns:p="http://schemas.openxmlformats.org/presentationml/2006/main">
+<p:sld xmlns:a="http://schemas.openxmlformats.org/drawingml/2006/main" xmlns:r="http://schemas.openxmlformats.org/officeDocument/2006/relationships" xmlns:p="http://schemas.openxmlformats.org/presentationml/2006/main" show="0">
   <p:cSld>
     <p:bg>
       <p:bgPr>
@@ -6415,6 +6985,14 @@
   <p:clrMapOvr>
     <a:masterClrMapping/>
   </p:clrMapOvr>
+  <mc:AlternateContent xmlns:mc="http://schemas.openxmlformats.org/markup-compatibility/2006" xmlns:p14="http://schemas.microsoft.com/office/powerpoint/2010/main">
+    <mc:Choice Requires="p14">
+      <p:transition spd="slow" p14:dur="2000"/>
+    </mc:Choice>
+    <mc:Fallback xmlns="">
+      <p:transition spd="slow"/>
+    </mc:Fallback>
+  </mc:AlternateContent>
   <p:timing>
     <p:tnLst>
       <p:par>
@@ -6426,7 +7004,7 @@
 </file>
 
 <file path=ppt/slides/slide5.xml><?xml version="1.0" encoding="utf-8"?>
-<p:sld xmlns:a="http://schemas.openxmlformats.org/drawingml/2006/main" xmlns:r="http://schemas.openxmlformats.org/officeDocument/2006/relationships" xmlns:p="http://schemas.openxmlformats.org/presentationml/2006/main">
+<p:sld xmlns:a="http://schemas.openxmlformats.org/drawingml/2006/main" xmlns:r="http://schemas.openxmlformats.org/officeDocument/2006/relationships" xmlns:p="http://schemas.openxmlformats.org/presentationml/2006/main" show="0">
   <p:cSld>
     <p:bg>
       <p:bgPr>
@@ -6681,6 +7259,14 @@
   <p:clrMapOvr>
     <a:masterClrMapping/>
   </p:clrMapOvr>
+  <mc:AlternateContent xmlns:mc="http://schemas.openxmlformats.org/markup-compatibility/2006" xmlns:p14="http://schemas.microsoft.com/office/powerpoint/2010/main">
+    <mc:Choice Requires="p14">
+      <p:transition spd="slow" p14:dur="2000"/>
+    </mc:Choice>
+    <mc:Fallback xmlns="">
+      <p:transition spd="slow"/>
+    </mc:Fallback>
+  </mc:AlternateContent>
   <p:timing>
     <p:tnLst>
       <p:par>
@@ -7942,7 +8528,7 @@
         <p:grpSpPr>
           <a:xfrm>
             <a:off x="-147205" y="0"/>
-            <a:ext cx="6107501" cy="10737850"/>
+            <a:ext cx="4490605" cy="10737850"/>
             <a:chOff x="0" y="0"/>
             <a:chExt cx="2444929" cy="3632310"/>
           </a:xfrm>
@@ -7996,7 +8582,7 @@
         </p:nvSpPr>
         <p:spPr>
           <a:xfrm>
-            <a:off x="412900" y="4240411"/>
+            <a:off x="-395548" y="1587579"/>
             <a:ext cx="4987290" cy="1128514"/>
           </a:xfrm>
           <a:prstGeom prst="rect">
@@ -8056,8 +8642,8 @@
         </p:nvSpPr>
         <p:spPr>
           <a:xfrm>
-            <a:off x="1028700" y="9258300"/>
-            <a:ext cx="4152900" cy="359073"/>
+            <a:off x="23552" y="9182100"/>
+            <a:ext cx="4152900" cy="691728"/>
           </a:xfrm>
           <a:prstGeom prst="rect">
             <a:avLst/>
@@ -8081,7 +8667,38 @@
                 </a:solidFill>
                 <a:latin typeface="Montserrat"/>
               </a:rPr>
-              <a:t>Разработка АИС учета товаров</a:t>
+              <a:t>Разработка АИС </a:t>
+            </a:r>
+            <a:endParaRPr lang="ru-RU" sz="2000" dirty="0" smtClean="0">
+              <a:solidFill>
+                <a:srgbClr val="737373"/>
+              </a:solidFill>
+              <a:latin typeface="Montserrat"/>
+            </a:endParaRPr>
+          </a:p>
+          <a:p>
+            <a:pPr algn="ctr">
+              <a:lnSpc>
+                <a:spcPts val="2800"/>
+              </a:lnSpc>
+            </a:pPr>
+            <a:r>
+              <a:rPr lang="ru-RU" sz="2000" dirty="0" smtClean="0">
+                <a:solidFill>
+                  <a:srgbClr val="737373"/>
+                </a:solidFill>
+                <a:latin typeface="Montserrat"/>
+              </a:rPr>
+              <a:t>учета </a:t>
+            </a:r>
+            <a:r>
+              <a:rPr lang="ru-RU" sz="2000" dirty="0">
+                <a:solidFill>
+                  <a:srgbClr val="737373"/>
+                </a:solidFill>
+                <a:latin typeface="Montserrat"/>
+              </a:rPr>
+              <a:t>товаров</a:t>
             </a:r>
           </a:p>
         </p:txBody>
@@ -8112,7 +8729,7 @@
         </p:blipFill>
         <p:spPr>
           <a:xfrm>
-            <a:off x="1877394" y="3679485"/>
+            <a:off x="23552" y="988553"/>
             <a:ext cx="560926" cy="560926"/>
           </a:xfrm>
           <a:prstGeom prst="rect">
@@ -8136,8 +8753,8 @@
         </p:blipFill>
         <p:spPr>
           <a:xfrm>
-            <a:off x="5960295" y="1466821"/>
-            <a:ext cx="12556305" cy="6675693"/>
+            <a:off x="4407258" y="1022642"/>
+            <a:ext cx="13880742" cy="8851186"/>
           </a:xfrm>
           <a:prstGeom prst="rect">
             <a:avLst/>
@@ -8192,8 +8809,8 @@
         </p:blipFill>
         <p:spPr>
           <a:xfrm>
-            <a:off x="2438320" y="1971242"/>
-            <a:ext cx="13639800" cy="6988451"/>
+            <a:off x="1706180" y="1169504"/>
+            <a:ext cx="14630400" cy="8161554"/>
           </a:xfrm>
           <a:prstGeom prst="rect">
             <a:avLst/>
@@ -8246,7 +8863,7 @@
         </p:nvSpPr>
         <p:spPr>
           <a:xfrm>
-            <a:off x="1028700" y="1971242"/>
+            <a:off x="555308" y="1257300"/>
             <a:ext cx="2293722" cy="0"/>
           </a:xfrm>
           <a:prstGeom prst="line">
@@ -8288,7 +8905,7 @@
         </p:blipFill>
         <p:spPr>
           <a:xfrm>
-            <a:off x="3666442" y="1644977"/>
+            <a:off x="3181350" y="829606"/>
             <a:ext cx="862079" cy="862079"/>
           </a:xfrm>
           <a:prstGeom prst="rect">
@@ -8304,15 +8921,15 @@
         </p:nvSpPr>
         <p:spPr>
           <a:xfrm>
-            <a:off x="-1371600" y="988387"/>
-            <a:ext cx="9144000" cy="656590"/>
-          </a:xfrm>
-          <a:prstGeom prst="rect">
-            <a:avLst/>
-          </a:prstGeom>
-        </p:spPr>
-        <p:txBody>
-          <a:bodyPr>
+            <a:off x="245346" y="419100"/>
+            <a:ext cx="2913647" cy="656590"/>
+          </a:xfrm>
+          <a:prstGeom prst="rect">
+            <a:avLst/>
+          </a:prstGeom>
+        </p:spPr>
+        <p:txBody>
+          <a:bodyPr wrap="square">
             <a:spAutoFit/>
           </a:bodyPr>
           <a:lstStyle/>
